--- a/server/static/docks/웹페이지_제작_요청서_1.pptx
+++ b/server/static/docks/웹페이지_제작_요청서_1.pptx
@@ -198,7 +198,7 @@
           <a:p>
             <a:fld id="{00AB6111-31D6-4C88-AC2F-C2EE620B1002}" type="datetimeFigureOut">
               <a:rPr lang="ko-KR" altLang="en-US" smtClean="0"/>
-              <a:t>2023. 5. 27.</a:t>
+              <a:t>2023. 5. 30.</a:t>
             </a:fld>
             <a:endParaRPr lang="ko-KR" altLang="en-US"/>
           </a:p>
@@ -876,7 +876,7 @@
           <a:p>
             <a:fld id="{C716DF14-24DA-4CCD-9454-5B751718E7B1}" type="datetimeFigureOut">
               <a:rPr lang="ko-KR" altLang="en-US" smtClean="0"/>
-              <a:t>2023. 5. 27.</a:t>
+              <a:t>2023. 5. 30.</a:t>
             </a:fld>
             <a:endParaRPr lang="ko-KR" altLang="en-US"/>
           </a:p>
@@ -1074,7 +1074,7 @@
           <a:p>
             <a:fld id="{C716DF14-24DA-4CCD-9454-5B751718E7B1}" type="datetimeFigureOut">
               <a:rPr lang="ko-KR" altLang="en-US" smtClean="0"/>
-              <a:t>2023. 5. 27.</a:t>
+              <a:t>2023. 5. 30.</a:t>
             </a:fld>
             <a:endParaRPr lang="ko-KR" altLang="en-US"/>
           </a:p>
@@ -1282,7 +1282,7 @@
           <a:p>
             <a:fld id="{C716DF14-24DA-4CCD-9454-5B751718E7B1}" type="datetimeFigureOut">
               <a:rPr lang="ko-KR" altLang="en-US" smtClean="0"/>
-              <a:t>2023. 5. 27.</a:t>
+              <a:t>2023. 5. 30.</a:t>
             </a:fld>
             <a:endParaRPr lang="ko-KR" altLang="en-US"/>
           </a:p>
@@ -1839,7 +1839,7 @@
           <a:p>
             <a:fld id="{C716DF14-24DA-4CCD-9454-5B751718E7B1}" type="datetimeFigureOut">
               <a:rPr lang="ko-KR" altLang="en-US" smtClean="0"/>
-              <a:t>2023. 5. 27.</a:t>
+              <a:t>2023. 5. 30.</a:t>
             </a:fld>
             <a:endParaRPr lang="ko-KR" altLang="en-US"/>
           </a:p>
@@ -2114,7 +2114,7 @@
           <a:p>
             <a:fld id="{C716DF14-24DA-4CCD-9454-5B751718E7B1}" type="datetimeFigureOut">
               <a:rPr lang="ko-KR" altLang="en-US" smtClean="0"/>
-              <a:t>2023. 5. 27.</a:t>
+              <a:t>2023. 5. 30.</a:t>
             </a:fld>
             <a:endParaRPr lang="ko-KR" altLang="en-US"/>
           </a:p>
@@ -2379,7 +2379,7 @@
           <a:p>
             <a:fld id="{C716DF14-24DA-4CCD-9454-5B751718E7B1}" type="datetimeFigureOut">
               <a:rPr lang="ko-KR" altLang="en-US" smtClean="0"/>
-              <a:t>2023. 5. 27.</a:t>
+              <a:t>2023. 5. 30.</a:t>
             </a:fld>
             <a:endParaRPr lang="ko-KR" altLang="en-US"/>
           </a:p>
@@ -2791,7 +2791,7 @@
           <a:p>
             <a:fld id="{C716DF14-24DA-4CCD-9454-5B751718E7B1}" type="datetimeFigureOut">
               <a:rPr lang="ko-KR" altLang="en-US" smtClean="0"/>
-              <a:t>2023. 5. 27.</a:t>
+              <a:t>2023. 5. 30.</a:t>
             </a:fld>
             <a:endParaRPr lang="ko-KR" altLang="en-US"/>
           </a:p>
@@ -2932,7 +2932,7 @@
           <a:p>
             <a:fld id="{C716DF14-24DA-4CCD-9454-5B751718E7B1}" type="datetimeFigureOut">
               <a:rPr lang="ko-KR" altLang="en-US" smtClean="0"/>
-              <a:t>2023. 5. 27.</a:t>
+              <a:t>2023. 5. 30.</a:t>
             </a:fld>
             <a:endParaRPr lang="ko-KR" altLang="en-US"/>
           </a:p>
@@ -3045,7 +3045,7 @@
           <a:p>
             <a:fld id="{C716DF14-24DA-4CCD-9454-5B751718E7B1}" type="datetimeFigureOut">
               <a:rPr lang="ko-KR" altLang="en-US" smtClean="0"/>
-              <a:t>2023. 5. 27.</a:t>
+              <a:t>2023. 5. 30.</a:t>
             </a:fld>
             <a:endParaRPr lang="ko-KR" altLang="en-US"/>
           </a:p>
@@ -3356,7 +3356,7 @@
           <a:p>
             <a:fld id="{C716DF14-24DA-4CCD-9454-5B751718E7B1}" type="datetimeFigureOut">
               <a:rPr lang="ko-KR" altLang="en-US" smtClean="0"/>
-              <a:t>2023. 5. 27.</a:t>
+              <a:t>2023. 5. 30.</a:t>
             </a:fld>
             <a:endParaRPr lang="ko-KR" altLang="en-US"/>
           </a:p>
@@ -3644,7 +3644,7 @@
           <a:p>
             <a:fld id="{C716DF14-24DA-4CCD-9454-5B751718E7B1}" type="datetimeFigureOut">
               <a:rPr lang="ko-KR" altLang="en-US" smtClean="0"/>
-              <a:t>2023. 5. 27.</a:t>
+              <a:t>2023. 5. 30.</a:t>
             </a:fld>
             <a:endParaRPr lang="ko-KR" altLang="en-US"/>
           </a:p>
@@ -3885,7 +3885,7 @@
           <a:p>
             <a:fld id="{C716DF14-24DA-4CCD-9454-5B751718E7B1}" type="datetimeFigureOut">
               <a:rPr lang="ko-KR" altLang="en-US" smtClean="0"/>
-              <a:t>2023. 5. 27.</a:t>
+              <a:t>2023. 5. 30.</a:t>
             </a:fld>
             <a:endParaRPr lang="ko-KR" altLang="en-US"/>
           </a:p>
@@ -6204,14 +6204,14 @@
           <p:nvPr>
             <p:extLst>
               <p:ext uri="{D42A27DB-BD31-4B8C-83A1-F6EECF244321}">
-                <p14:modId xmlns:p14="http://schemas.microsoft.com/office/powerpoint/2010/main" val="587700448"/>
+                <p14:modId xmlns:p14="http://schemas.microsoft.com/office/powerpoint/2010/main" val="2757939920"/>
               </p:ext>
             </p:extLst>
           </p:nvPr>
         </p:nvGraphicFramePr>
         <p:xfrm>
           <a:off x="302218" y="1402129"/>
-          <a:ext cx="11620701" cy="3576714"/>
+          <a:ext cx="11629640" cy="3576714"/>
         </p:xfrm>
         <a:graphic>
           <a:graphicData uri="http://schemas.openxmlformats.org/drawingml/2006/table">
@@ -6220,7 +6220,7 @@
                 <a:noFill/>
               </a:tblPr>
               <a:tblGrid>
-                <a:gridCol w="396933">
+                <a:gridCol w="405872">
                   <a:extLst>
                     <a:ext uri="{9D8B030D-6E8A-4147-A177-3AD203B41FA5}">
                       <a16:colId xmlns:a16="http://schemas.microsoft.com/office/drawing/2014/main" val="20000"/>
@@ -6342,7 +6342,7 @@
                         <a:buNone/>
                       </a:pPr>
                       <a:r>
-                        <a:rPr lang="en" sz="1100" b="1">
+                        <a:rPr lang="en" sz="1100" b="1" dirty="0">
                           <a:latin typeface="Calibri"/>
                           <a:ea typeface="Calibri"/>
                           <a:cs typeface="Calibri"/>
@@ -6350,7 +6350,7 @@
                         </a:rPr>
                         <a:t>No.</a:t>
                       </a:r>
-                      <a:endParaRPr sz="1100" b="1">
+                      <a:endParaRPr sz="1100" b="1" dirty="0">
                         <a:latin typeface="Calibri"/>
                         <a:ea typeface="Calibri"/>
                         <a:cs typeface="Calibri"/>
@@ -6548,7 +6548,7 @@
                         <a:buNone/>
                       </a:pPr>
                       <a:r>
-                        <a:rPr lang="en" sz="1100" b="1">
+                        <a:rPr lang="en" sz="1100" b="1" dirty="0">
                           <a:latin typeface="Calibri"/>
                           <a:ea typeface="Calibri"/>
                           <a:cs typeface="Calibri"/>
@@ -6556,7 +6556,7 @@
                         </a:rPr>
                         <a:t>Project Title</a:t>
                       </a:r>
-                      <a:endParaRPr sz="1100" b="1">
+                      <a:endParaRPr sz="1100" b="1" dirty="0">
                         <a:latin typeface="Calibri"/>
                         <a:ea typeface="Calibri"/>
                         <a:cs typeface="Calibri"/>
@@ -6704,7 +6704,7 @@
                         <a:buNone/>
                       </a:pPr>
                       <a:r>
-                        <a:rPr lang="en" sz="1100" b="1">
+                        <a:rPr lang="en" sz="1100" b="1" dirty="0">
                           <a:latin typeface="Calibri"/>
                           <a:ea typeface="Calibri"/>
                           <a:cs typeface="Calibri"/>
@@ -6712,7 +6712,7 @@
                         </a:rPr>
                         <a:t>Eval R1</a:t>
                       </a:r>
-                      <a:endParaRPr sz="1100" b="1">
+                      <a:endParaRPr sz="1100" b="1" dirty="0">
                         <a:latin typeface="Calibri"/>
                         <a:ea typeface="Calibri"/>
                         <a:cs typeface="Calibri"/>
@@ -6845,7 +6845,7 @@
                         <a:buNone/>
                       </a:pPr>
                       <a:r>
-                        <a:rPr lang="en" sz="1100" b="1">
+                        <a:rPr lang="en" sz="1100" b="1" dirty="0">
                           <a:latin typeface="Calibri"/>
                           <a:ea typeface="Calibri"/>
                           <a:cs typeface="Calibri"/>
@@ -6853,7 +6853,7 @@
                         </a:rPr>
                         <a:t>Download Application</a:t>
                       </a:r>
-                      <a:endParaRPr sz="1100" b="1">
+                      <a:endParaRPr sz="1100" b="1" dirty="0">
                         <a:latin typeface="Calibri"/>
                         <a:ea typeface="Calibri"/>
                         <a:cs typeface="Calibri"/>
@@ -6878,7 +6878,7 @@
                         <a:buNone/>
                       </a:pPr>
                       <a:r>
-                        <a:rPr lang="en" sz="1100" b="1">
+                        <a:rPr lang="en" sz="1100" b="1" dirty="0">
                           <a:latin typeface="Calibri"/>
                           <a:ea typeface="Calibri"/>
                           <a:cs typeface="Calibri"/>
@@ -6886,7 +6886,7 @@
                         </a:rPr>
                         <a:t>Test (Delete)</a:t>
                       </a:r>
-                      <a:endParaRPr sz="1100" b="1">
+                      <a:endParaRPr sz="1100" b="1" dirty="0">
                         <a:latin typeface="Calibri"/>
                         <a:ea typeface="Calibri"/>
                         <a:cs typeface="Calibri"/>
@@ -10599,7 +10599,7 @@
         </p:nvSpPr>
         <p:spPr>
           <a:xfrm>
-            <a:off x="11088293" y="5117236"/>
+            <a:off x="11135259" y="5117236"/>
             <a:ext cx="1898800" cy="3200836"/>
           </a:xfrm>
           <a:prstGeom prst="rect">
